--- a/Presentation.pptx
+++ b/Presentation.pptx
@@ -467,6 +467,102 @@
 </p:notesMaster>
 </file>
 
+<file path=ppt/notesSlides/notesSlide1.xml><?xml version="1.0" encoding="utf-8"?>
+<p:notes xmlns:a="http://schemas.openxmlformats.org/drawingml/2006/main" xmlns:r="http://schemas.openxmlformats.org/officeDocument/2006/relationships" xmlns:p="http://schemas.openxmlformats.org/presentationml/2006/main">
+  <p:cSld>
+    <p:spTree>
+      <p:nvGrpSpPr>
+        <p:cNvPr id="1" name=""/>
+        <p:cNvGrpSpPr/>
+        <p:nvPr/>
+      </p:nvGrpSpPr>
+      <p:grpSpPr>
+        <a:xfrm>
+          <a:off x="0" y="0"/>
+          <a:ext cx="0" cy="0"/>
+          <a:chOff x="0" y="0"/>
+          <a:chExt cx="0" cy="0"/>
+        </a:xfrm>
+      </p:grpSpPr>
+      <p:sp>
+        <p:nvSpPr>
+          <p:cNvPr id="2" name="Slide Image Placeholder 1"/>
+          <p:cNvSpPr>
+            <a:spLocks noGrp="1" noRot="1" noChangeAspect="1"/>
+          </p:cNvSpPr>
+          <p:nvPr>
+            <p:ph type="sldImg"/>
+          </p:nvPr>
+        </p:nvSpPr>
+        <p:spPr/>
+      </p:sp>
+      <p:sp>
+        <p:nvSpPr>
+          <p:cNvPr id="3" name="Notes Placeholder 2"/>
+          <p:cNvSpPr>
+            <a:spLocks noGrp="1"/>
+          </p:cNvSpPr>
+          <p:nvPr>
+            <p:ph type="body" idx="1"/>
+          </p:nvPr>
+        </p:nvSpPr>
+        <p:spPr/>
+        <p:txBody>
+          <a:bodyPr/>
+          <a:lstStyle/>
+          <a:p>
+            <a:r>
+              <a:rPr lang="en-US" dirty="0" smtClean="0"/>
+              <a:t>Notes</a:t>
+            </a:r>
+            <a:r>
+              <a:rPr lang="en-US" baseline="0" dirty="0" smtClean="0"/>
+              <a:t> </a:t>
+            </a:r>
+            <a:r>
+              <a:rPr lang="en-US" baseline="0" smtClean="0"/>
+              <a:t>notes</a:t>
+            </a:r>
+            <a:endParaRPr lang="en-US"/>
+          </a:p>
+        </p:txBody>
+      </p:sp>
+      <p:sp>
+        <p:nvSpPr>
+          <p:cNvPr id="4" name="Slide Number Placeholder 3"/>
+          <p:cNvSpPr>
+            <a:spLocks noGrp="1"/>
+          </p:cNvSpPr>
+          <p:nvPr>
+            <p:ph type="sldNum" sz="quarter" idx="10"/>
+          </p:nvPr>
+        </p:nvSpPr>
+        <p:spPr/>
+        <p:txBody>
+          <a:bodyPr/>
+          <a:lstStyle/>
+          <a:p>
+            <a:fld id="{060C6D3C-9EB0-4F2C-9026-3887D1CDB44E}" type="slidenum">
+              <a:rPr lang="en-US" smtClean="0"/>
+              <a:t>4</a:t>
+            </a:fld>
+            <a:endParaRPr lang="en-US" dirty="0"/>
+          </a:p>
+        </p:txBody>
+      </p:sp>
+    </p:spTree>
+    <p:extLst>
+      <p:ext uri="{BB962C8B-B14F-4D97-AF65-F5344CB8AC3E}">
+        <p14:creationId xmlns:p14="http://schemas.microsoft.com/office/powerpoint/2010/main" val="302234507"/>
+      </p:ext>
+    </p:extLst>
+  </p:cSld>
+  <p:clrMapOvr>
+    <a:masterClrMapping/>
+  </p:clrMapOvr>
+</p:notes>
+</file>
+
 <file path=ppt/slideLayouts/slideLayout1.xml><?xml version="1.0" encoding="utf-8"?>
 <p:sldLayout xmlns:a="http://schemas.openxmlformats.org/drawingml/2006/main" xmlns:r="http://schemas.openxmlformats.org/officeDocument/2006/relationships" xmlns:p="http://schemas.openxmlformats.org/presentationml/2006/main" preserve="1" userDrawn="1">
   <p:cSld name="1_Title Slide">
@@ -2935,6 +3031,14 @@
 <file path=ppt/slideLayouts/slideLayout12.xml><?xml version="1.0" encoding="utf-8"?>
 <p:sldLayout xmlns:a="http://schemas.openxmlformats.org/drawingml/2006/main" xmlns:r="http://schemas.openxmlformats.org/officeDocument/2006/relationships" xmlns:p="http://schemas.openxmlformats.org/presentationml/2006/main" preserve="1" userDrawn="1">
   <p:cSld name="Title and Content">
+    <p:bg>
+      <p:bgPr>
+        <a:solidFill>
+          <a:schemeClr val="bg1"/>
+        </a:solidFill>
+        <a:effectLst/>
+      </p:bgPr>
+    </p:bg>
     <p:spTree>
       <p:nvGrpSpPr>
         <p:cNvPr id="1" name=""/>
@@ -2969,11 +3073,15 @@
           <a:prstGeom prst="rect">
             <a:avLst/>
           </a:prstGeom>
-          <a:solidFill>
-            <a:schemeClr val="bg1">
-              <a:lumMod val="95000"/>
-            </a:schemeClr>
-          </a:solidFill>
+          <a:blipFill dpi="0" rotWithShape="1">
+            <a:blip r:embed="rId2">
+              <a:alphaModFix amt="22000"/>
+            </a:blip>
+            <a:srcRect/>
+            <a:stretch>
+              <a:fillRect/>
+            </a:stretch>
+          </a:blipFill>
           <a:ln>
             <a:noFill/>
           </a:ln>
@@ -10137,6 +10245,14 @@
 <file path=ppt/slideLayouts/slideLayout9.xml><?xml version="1.0" encoding="utf-8"?>
 <p:sldLayout xmlns:a="http://schemas.openxmlformats.org/drawingml/2006/main" xmlns:r="http://schemas.openxmlformats.org/officeDocument/2006/relationships" xmlns:p="http://schemas.openxmlformats.org/presentationml/2006/main" preserve="1" userDrawn="1">
   <p:cSld name="Title and Subtitle Only - Light">
+    <p:bg>
+      <p:bgPr>
+        <a:solidFill>
+          <a:schemeClr val="bg1"/>
+        </a:solidFill>
+        <a:effectLst/>
+      </p:bgPr>
+    </p:bg>
     <p:spTree>
       <p:nvGrpSpPr>
         <p:cNvPr id="1" name=""/>
@@ -10171,11 +10287,15 @@
           <a:prstGeom prst="rect">
             <a:avLst/>
           </a:prstGeom>
-          <a:solidFill>
-            <a:schemeClr val="bg1">
-              <a:lumMod val="95000"/>
-            </a:schemeClr>
-          </a:solidFill>
+          <a:blipFill dpi="0" rotWithShape="1">
+            <a:blip r:embed="rId2">
+              <a:alphaModFix amt="13000"/>
+            </a:blip>
+            <a:srcRect/>
+            <a:stretch>
+              <a:fillRect/>
+            </a:stretch>
+          </a:blipFill>
           <a:ln>
             <a:noFill/>
           </a:ln>
@@ -10512,16 +10632,11 @@
   <p:cSld>
     <p:bg>
       <p:bgPr>
-        <a:blipFill dpi="0" rotWithShape="1">
-          <a:blip r:embed="rId15">
-            <a:alphaModFix amt="34000"/>
-            <a:lum/>
-          </a:blip>
-          <a:srcRect/>
-          <a:stretch>
-            <a:fillRect t="-9000" b="-9000"/>
-          </a:stretch>
-        </a:blipFill>
+        <a:solidFill>
+          <a:schemeClr val="bg2">
+            <a:lumMod val="75000"/>
+          </a:schemeClr>
+        </a:solidFill>
         <a:effectLst/>
       </p:bgPr>
     </p:bg>
@@ -11957,7 +12072,7 @@
           </p:nvPr>
         </p:nvPicPr>
         <p:blipFill>
-          <a:blip r:embed="rId2" cstate="screen">
+          <a:blip r:embed="rId3" cstate="screen">
             <a:extLst>
               <a:ext uri="{28A0092B-C50C-407E-A947-70E740481C1C}">
                 <a14:useLocalDpi xmlns:a14="http://schemas.microsoft.com/office/drawing/2010/main"/>
@@ -12178,7 +12293,7 @@
           <p:nvPr/>
         </p:nvPicPr>
         <p:blipFill>
-          <a:blip r:embed="rId3">
+          <a:blip r:embed="rId4">
             <a:extLst>
               <a:ext uri="{28A0092B-C50C-407E-A947-70E740481C1C}">
                 <a14:useLocalDpi xmlns:a14="http://schemas.microsoft.com/office/drawing/2010/main" val="0"/>
